--- a/Presentation1.pptx
+++ b/Presentation1.pptx
@@ -8,6 +8,7 @@
     <p:sldId id="256" r:id="rId2"/>
     <p:sldId id="257" r:id="rId3"/>
     <p:sldId id="258" r:id="rId4"/>
+    <p:sldId id="259" r:id="rId5"/>
   </p:sldIdLst>
   <p:sldSz cx="12192000" cy="6858000"/>
   <p:notesSz cx="6858000" cy="9144000"/>
@@ -3204,6 +3205,49 @@
           <a:chExt cx="0" cy="0"/>
         </a:xfrm>
       </p:grpSpPr>
+      <p:sp>
+        <p:nvSpPr>
+          <p:cNvPr id="2" name="Rectangle 1"/>
+          <p:cNvSpPr/>
+          <p:nvPr/>
+        </p:nvSpPr>
+        <p:spPr>
+          <a:xfrm>
+            <a:off x="0" y="0"/>
+            <a:ext cx="12192000" cy="1219200"/>
+          </a:xfrm>
+          <a:prstGeom prst="rect">
+            <a:avLst/>
+          </a:prstGeom>
+          <a:solidFill>
+            <a:schemeClr val="tx1"/>
+          </a:solidFill>
+        </p:spPr>
+        <p:style>
+          <a:lnRef idx="2">
+            <a:schemeClr val="accent1">
+              <a:shade val="50000"/>
+            </a:schemeClr>
+          </a:lnRef>
+          <a:fillRef idx="1">
+            <a:schemeClr val="accent1"/>
+          </a:fillRef>
+          <a:effectRef idx="0">
+            <a:schemeClr val="accent1"/>
+          </a:effectRef>
+          <a:fontRef idx="minor">
+            <a:schemeClr val="lt1"/>
+          </a:fontRef>
+        </p:style>
+        <p:txBody>
+          <a:bodyPr rtlCol="0" anchor="ctr"/>
+          <a:lstStyle/>
+          <a:p>
+            <a:pPr algn="ctr"/>
+            <a:endParaRPr lang="en-US"/>
+          </a:p>
+        </p:txBody>
+      </p:sp>
       <p:pic>
         <p:nvPicPr>
           <p:cNvPr id="7" name="Picture 6"/>
@@ -3219,7 +3263,7 @@
         </p:blipFill>
         <p:spPr>
           <a:xfrm>
-            <a:off x="259977" y="277906"/>
+            <a:off x="1996413" y="277906"/>
             <a:ext cx="814396" cy="788894"/>
           </a:xfrm>
           <a:prstGeom prst="rect">
@@ -3235,7 +3279,7 @@
         </p:nvSpPr>
         <p:spPr>
           <a:xfrm>
-            <a:off x="1981200" y="528919"/>
+            <a:off x="3717636" y="482739"/>
             <a:ext cx="737702" cy="369332"/>
           </a:xfrm>
           <a:prstGeom prst="rect">
@@ -3250,10 +3294,18 @@
           <a:lstStyle/>
           <a:p>
             <a:r>
-              <a:rPr lang="en-US" dirty="0" smtClean="0"/>
+              <a:rPr lang="en-US" dirty="0" smtClean="0">
+                <a:solidFill>
+                  <a:schemeClr val="bg1"/>
+                </a:solidFill>
+              </a:rPr>
               <a:t>about</a:t>
             </a:r>
-            <a:endParaRPr lang="en-US" dirty="0"/>
+            <a:endParaRPr lang="en-US" dirty="0">
+              <a:solidFill>
+                <a:schemeClr val="bg1"/>
+              </a:solidFill>
+            </a:endParaRPr>
           </a:p>
         </p:txBody>
       </p:sp>
@@ -3265,8 +3317,8 @@
         </p:nvSpPr>
         <p:spPr>
           <a:xfrm>
-            <a:off x="2777610" y="528919"/>
-            <a:ext cx="1217000" cy="369332"/>
+            <a:off x="4547241" y="482739"/>
+            <a:ext cx="1216743" cy="369332"/>
           </a:xfrm>
           <a:prstGeom prst="rect">
             <a:avLst/>
@@ -3280,10 +3332,26 @@
           <a:lstStyle/>
           <a:p>
             <a:r>
-              <a:rPr lang="en-US" smtClean="0"/>
-              <a:t>Experience</a:t>
-            </a:r>
-            <a:endParaRPr lang="en-US" dirty="0"/>
+              <a:rPr lang="en-US" dirty="0">
+                <a:solidFill>
+                  <a:schemeClr val="bg1"/>
+                </a:solidFill>
+              </a:rPr>
+              <a:t>e</a:t>
+            </a:r>
+            <a:r>
+              <a:rPr lang="en-US" dirty="0" smtClean="0">
+                <a:solidFill>
+                  <a:schemeClr val="bg1"/>
+                </a:solidFill>
+              </a:rPr>
+              <a:t>xperience</a:t>
+            </a:r>
+            <a:endParaRPr lang="en-US" dirty="0">
+              <a:solidFill>
+                <a:schemeClr val="bg1"/>
+              </a:solidFill>
+            </a:endParaRPr>
           </a:p>
         </p:txBody>
       </p:sp>
@@ -3295,8 +3363,8 @@
         </p:nvSpPr>
         <p:spPr>
           <a:xfrm>
-            <a:off x="3980329" y="528919"/>
-            <a:ext cx="970266" cy="369332"/>
+            <a:off x="5855887" y="482739"/>
+            <a:ext cx="937629" cy="369332"/>
           </a:xfrm>
           <a:prstGeom prst="rect">
             <a:avLst/>
@@ -3310,10 +3378,26 @@
           <a:lstStyle/>
           <a:p>
             <a:r>
-              <a:rPr lang="en-US" smtClean="0"/>
-              <a:t>Working</a:t>
-            </a:r>
-            <a:endParaRPr lang="en-US" dirty="0"/>
+              <a:rPr lang="en-US" dirty="0">
+                <a:solidFill>
+                  <a:schemeClr val="bg1"/>
+                </a:solidFill>
+              </a:rPr>
+              <a:t>w</a:t>
+            </a:r>
+            <a:r>
+              <a:rPr lang="en-US" dirty="0" smtClean="0">
+                <a:solidFill>
+                  <a:schemeClr val="bg1"/>
+                </a:solidFill>
+              </a:rPr>
+              <a:t>orking</a:t>
+            </a:r>
+            <a:endParaRPr lang="en-US" dirty="0">
+              <a:solidFill>
+                <a:schemeClr val="bg1"/>
+              </a:solidFill>
+            </a:endParaRPr>
           </a:p>
         </p:txBody>
       </p:sp>
@@ -3325,8 +3409,8 @@
         </p:nvSpPr>
         <p:spPr>
           <a:xfrm>
-            <a:off x="5148982" y="528919"/>
-            <a:ext cx="909223" cy="369332"/>
+            <a:off x="6885418" y="482739"/>
+            <a:ext cx="881716" cy="369332"/>
           </a:xfrm>
           <a:prstGeom prst="rect">
             <a:avLst/>
@@ -3340,14 +3424,26 @@
           <a:lstStyle/>
           <a:p>
             <a:r>
-              <a:rPr lang="en-US" dirty="0"/>
-              <a:t>C</a:t>
-            </a:r>
-            <a:r>
-              <a:rPr lang="en-US" dirty="0" smtClean="0"/>
+              <a:rPr lang="en-US" dirty="0">
+                <a:solidFill>
+                  <a:schemeClr val="bg1"/>
+                </a:solidFill>
+              </a:rPr>
+              <a:t>c</a:t>
+            </a:r>
+            <a:r>
+              <a:rPr lang="en-US" dirty="0" smtClean="0">
+                <a:solidFill>
+                  <a:schemeClr val="bg1"/>
+                </a:solidFill>
+              </a:rPr>
               <a:t>ontact</a:t>
             </a:r>
-            <a:endParaRPr lang="en-US" dirty="0"/>
+            <a:endParaRPr lang="en-US" dirty="0">
+              <a:solidFill>
+                <a:schemeClr val="bg1"/>
+              </a:solidFill>
+            </a:endParaRPr>
           </a:p>
         </p:txBody>
       </p:sp>
@@ -3359,8 +3455,8 @@
         </p:nvSpPr>
         <p:spPr>
           <a:xfrm>
-            <a:off x="7919891" y="528919"/>
-            <a:ext cx="255198" cy="369332"/>
+            <a:off x="9536255" y="427320"/>
+            <a:ext cx="301686" cy="553998"/>
           </a:xfrm>
           <a:prstGeom prst="rect">
             <a:avLst/>
@@ -3377,10 +3473,18 @@
           <a:lstStyle/>
           <a:p>
             <a:r>
-              <a:rPr lang="en-US" smtClean="0"/>
+              <a:rPr lang="en-US" sz="3000" dirty="0" smtClean="0">
+                <a:solidFill>
+                  <a:schemeClr val="bg1"/>
+                </a:solidFill>
+              </a:rPr>
               <a:t>f</a:t>
             </a:r>
-            <a:endParaRPr lang="en-US" dirty="0"/>
+            <a:endParaRPr lang="en-US" sz="3000" dirty="0">
+              <a:solidFill>
+                <a:schemeClr val="bg1"/>
+              </a:solidFill>
+            </a:endParaRPr>
           </a:p>
         </p:txBody>
       </p:sp>
@@ -3497,8 +3601,8 @@
         </p:nvSpPr>
         <p:spPr>
           <a:xfrm>
-            <a:off x="4134220" y="3229322"/>
-            <a:ext cx="3736920" cy="954107"/>
+            <a:off x="4160669" y="3229322"/>
+            <a:ext cx="3684021" cy="1061829"/>
           </a:xfrm>
           <a:prstGeom prst="rect">
             <a:avLst/>
@@ -3511,7 +3615,11 @@
           </a:bodyPr>
           <a:lstStyle/>
           <a:p>
-            <a:pPr algn="ctr"/>
+            <a:pPr algn="ctr">
+              <a:lnSpc>
+                <a:spcPct val="150000"/>
+              </a:lnSpc>
+            </a:pPr>
             <a:r>
               <a:rPr lang="ko-KR" altLang="en-US" sz="1400" dirty="0" smtClean="0">
                 <a:solidFill>
@@ -3536,7 +3644,11 @@
             </a:r>
           </a:p>
           <a:p>
-            <a:pPr algn="ctr"/>
+            <a:pPr algn="ctr">
+              <a:lnSpc>
+                <a:spcPct val="150000"/>
+              </a:lnSpc>
+            </a:pPr>
             <a:r>
               <a:rPr lang="ko-KR" altLang="en-US" sz="1400" dirty="0" smtClean="0">
                 <a:solidFill>
@@ -3561,7 +3673,11 @@
             </a:r>
           </a:p>
           <a:p>
-            <a:pPr algn="ctr"/>
+            <a:pPr algn="ctr">
+              <a:lnSpc>
+                <a:spcPct val="150000"/>
+              </a:lnSpc>
+            </a:pPr>
             <a:r>
               <a:rPr lang="ko-KR" altLang="en-US" sz="1400" dirty="0" smtClean="0">
                 <a:solidFill>
@@ -3584,9 +3700,6 @@
               </a:rPr>
               <a:t>.</a:t>
             </a:r>
-          </a:p>
-          <a:p>
-            <a:pPr algn="ctr"/>
             <a:endParaRPr lang="en-US" sz="1400" dirty="0">
               <a:solidFill>
                 <a:schemeClr val="bg1"/>
@@ -3602,6 +3715,66 @@
     <p:extLst>
       <p:ext uri="{BB962C8B-B14F-4D97-AF65-F5344CB8AC3E}">
         <p14:creationId xmlns:p14="http://schemas.microsoft.com/office/powerpoint/2010/main" val="808553307"/>
+      </p:ext>
+    </p:extLst>
+  </p:cSld>
+  <p:clrMapOvr>
+    <a:masterClrMapping/>
+  </p:clrMapOvr>
+</p:sld>
+</file>
+
+<file path=ppt/slides/slide4.xml><?xml version="1.0" encoding="utf-8"?>
+<p:sld xmlns:a="http://schemas.openxmlformats.org/drawingml/2006/main" xmlns:r="http://schemas.openxmlformats.org/officeDocument/2006/relationships" xmlns:p="http://schemas.openxmlformats.org/presentationml/2006/main">
+  <p:cSld>
+    <p:spTree>
+      <p:nvGrpSpPr>
+        <p:cNvPr id="1" name=""/>
+        <p:cNvGrpSpPr/>
+        <p:nvPr/>
+      </p:nvGrpSpPr>
+      <p:grpSpPr>
+        <a:xfrm>
+          <a:off x="0" y="0"/>
+          <a:ext cx="0" cy="0"/>
+          <a:chOff x="0" y="0"/>
+          <a:chExt cx="0" cy="0"/>
+        </a:xfrm>
+      </p:grpSpPr>
+      <p:sp>
+        <p:nvSpPr>
+          <p:cNvPr id="2" name="TextBox 1"/>
+          <p:cNvSpPr txBox="1"/>
+          <p:nvPr/>
+        </p:nvSpPr>
+        <p:spPr>
+          <a:xfrm>
+            <a:off x="2327564" y="1773382"/>
+            <a:ext cx="813428" cy="369332"/>
+          </a:xfrm>
+          <a:prstGeom prst="rect">
+            <a:avLst/>
+          </a:prstGeom>
+          <a:noFill/>
+        </p:spPr>
+        <p:txBody>
+          <a:bodyPr wrap="none" rtlCol="0">
+            <a:spAutoFit/>
+          </a:bodyPr>
+          <a:lstStyle/>
+          <a:p>
+            <a:r>
+              <a:rPr lang="en-US" dirty="0" err="1" smtClean="0"/>
+              <a:t>fsdfsdf</a:t>
+            </a:r>
+            <a:endParaRPr lang="en-US" dirty="0"/>
+          </a:p>
+        </p:txBody>
+      </p:sp>
+    </p:spTree>
+    <p:extLst>
+      <p:ext uri="{BB962C8B-B14F-4D97-AF65-F5344CB8AC3E}">
+        <p14:creationId xmlns:p14="http://schemas.microsoft.com/office/powerpoint/2010/main" val="1260500627"/>
       </p:ext>
     </p:extLst>
   </p:cSld>

--- a/Presentation1.pptx
+++ b/Presentation1.pptx
@@ -246,7 +246,7 @@
           <a:p>
             <a:fld id="{CCE5AF37-0B63-F645-B494-4A75110D1139}" type="datetimeFigureOut">
               <a:rPr lang="en-US" smtClean="0"/>
-              <a:t>7/20/17</a:t>
+              <a:t>7/23/17</a:t>
             </a:fld>
             <a:endParaRPr lang="en-US"/>
           </a:p>
@@ -416,7 +416,7 @@
           <a:p>
             <a:fld id="{CCE5AF37-0B63-F645-B494-4A75110D1139}" type="datetimeFigureOut">
               <a:rPr lang="en-US" smtClean="0"/>
-              <a:t>7/20/17</a:t>
+              <a:t>7/23/17</a:t>
             </a:fld>
             <a:endParaRPr lang="en-US"/>
           </a:p>
@@ -596,7 +596,7 @@
           <a:p>
             <a:fld id="{CCE5AF37-0B63-F645-B494-4A75110D1139}" type="datetimeFigureOut">
               <a:rPr lang="en-US" smtClean="0"/>
-              <a:t>7/20/17</a:t>
+              <a:t>7/23/17</a:t>
             </a:fld>
             <a:endParaRPr lang="en-US"/>
           </a:p>
@@ -766,7 +766,7 @@
           <a:p>
             <a:fld id="{CCE5AF37-0B63-F645-B494-4A75110D1139}" type="datetimeFigureOut">
               <a:rPr lang="en-US" smtClean="0"/>
-              <a:t>7/20/17</a:t>
+              <a:t>7/23/17</a:t>
             </a:fld>
             <a:endParaRPr lang="en-US"/>
           </a:p>
@@ -1012,7 +1012,7 @@
           <a:p>
             <a:fld id="{CCE5AF37-0B63-F645-B494-4A75110D1139}" type="datetimeFigureOut">
               <a:rPr lang="en-US" smtClean="0"/>
-              <a:t>7/20/17</a:t>
+              <a:t>7/23/17</a:t>
             </a:fld>
             <a:endParaRPr lang="en-US"/>
           </a:p>
@@ -1244,7 +1244,7 @@
           <a:p>
             <a:fld id="{CCE5AF37-0B63-F645-B494-4A75110D1139}" type="datetimeFigureOut">
               <a:rPr lang="en-US" smtClean="0"/>
-              <a:t>7/20/17</a:t>
+              <a:t>7/23/17</a:t>
             </a:fld>
             <a:endParaRPr lang="en-US"/>
           </a:p>
@@ -1611,7 +1611,7 @@
           <a:p>
             <a:fld id="{CCE5AF37-0B63-F645-B494-4A75110D1139}" type="datetimeFigureOut">
               <a:rPr lang="en-US" smtClean="0"/>
-              <a:t>7/20/17</a:t>
+              <a:t>7/23/17</a:t>
             </a:fld>
             <a:endParaRPr lang="en-US"/>
           </a:p>
@@ -1729,7 +1729,7 @@
           <a:p>
             <a:fld id="{CCE5AF37-0B63-F645-B494-4A75110D1139}" type="datetimeFigureOut">
               <a:rPr lang="en-US" smtClean="0"/>
-              <a:t>7/20/17</a:t>
+              <a:t>7/23/17</a:t>
             </a:fld>
             <a:endParaRPr lang="en-US"/>
           </a:p>
@@ -1824,7 +1824,7 @@
           <a:p>
             <a:fld id="{CCE5AF37-0B63-F645-B494-4A75110D1139}" type="datetimeFigureOut">
               <a:rPr lang="en-US" smtClean="0"/>
-              <a:t>7/20/17</a:t>
+              <a:t>7/23/17</a:t>
             </a:fld>
             <a:endParaRPr lang="en-US"/>
           </a:p>
@@ -2101,7 +2101,7 @@
           <a:p>
             <a:fld id="{CCE5AF37-0B63-F645-B494-4A75110D1139}" type="datetimeFigureOut">
               <a:rPr lang="en-US" smtClean="0"/>
-              <a:t>7/20/17</a:t>
+              <a:t>7/23/17</a:t>
             </a:fld>
             <a:endParaRPr lang="en-US"/>
           </a:p>
@@ -2354,7 +2354,7 @@
           <a:p>
             <a:fld id="{CCE5AF37-0B63-F645-B494-4A75110D1139}" type="datetimeFigureOut">
               <a:rPr lang="en-US" smtClean="0"/>
-              <a:t>7/20/17</a:t>
+              <a:t>7/23/17</a:t>
             </a:fld>
             <a:endParaRPr lang="en-US"/>
           </a:p>
@@ -2567,7 +2567,7 @@
           <a:p>
             <a:fld id="{CCE5AF37-0B63-F645-B494-4A75110D1139}" type="datetimeFigureOut">
               <a:rPr lang="en-US" smtClean="0"/>
-              <a:t>7/20/17</a:t>
+              <a:t>7/23/17</a:t>
             </a:fld>
             <a:endParaRPr lang="en-US"/>
           </a:p>
@@ -3075,7 +3075,9 @@
       <p:grpSp>
         <p:nvGrpSpPr>
           <p:cNvPr id="7" name="Group 6"/>
-          <p:cNvGrpSpPr/>
+          <p:cNvGrpSpPr>
+            <a:grpSpLocks noChangeAspect="1"/>
+          </p:cNvGrpSpPr>
           <p:nvPr/>
         </p:nvGrpSpPr>
         <p:grpSpPr>
